--- a/OS-Train-Repo/期末报告.pptx
+++ b/OS-Train-Repo/期末报告.pptx
@@ -119,6 +119,11 @@
       </a:defRPr>
     </a:lvl9pPr>
   </p:defaultTextStyle>
+  <p:extLst>
+    <p:ext uri="{EFAFB233-063F-42B5-8137-9DF3F51BA10A}">
+      <p15:sldGuideLst xmlns:p15="http://schemas.microsoft.com/office/powerpoint/2012/main"/>
+    </p:ext>
+  </p:extLst>
 </p:presentation>
 </file>
 
@@ -269,7 +274,7 @@
           <a:p>
             <a:fld id="{2EF4CD03-DD61-461F-B280-70C706DDE001}" type="datetimeFigureOut">
               <a:rPr lang="zh-CN" altLang="en-US" smtClean="0"/>
-              <a:t>2023/11/19</a:t>
+              <a:t>2023/11/29</a:t>
             </a:fld>
             <a:endParaRPr lang="zh-CN" altLang="en-US"/>
           </a:p>
@@ -467,7 +472,7 @@
           <a:p>
             <a:fld id="{2EF4CD03-DD61-461F-B280-70C706DDE001}" type="datetimeFigureOut">
               <a:rPr lang="zh-CN" altLang="en-US" smtClean="0"/>
-              <a:t>2023/11/19</a:t>
+              <a:t>2023/11/29</a:t>
             </a:fld>
             <a:endParaRPr lang="zh-CN" altLang="en-US"/>
           </a:p>
@@ -675,7 +680,7 @@
           <a:p>
             <a:fld id="{2EF4CD03-DD61-461F-B280-70C706DDE001}" type="datetimeFigureOut">
               <a:rPr lang="zh-CN" altLang="en-US" smtClean="0"/>
-              <a:t>2023/11/19</a:t>
+              <a:t>2023/11/29</a:t>
             </a:fld>
             <a:endParaRPr lang="zh-CN" altLang="en-US"/>
           </a:p>
@@ -1190,7 +1195,7 @@
           <a:p>
             <a:fld id="{F4374499-10F3-43A6-A70A-01D7A10A05BA}" type="datetimeFigureOut">
               <a:rPr lang="zh-CN" altLang="en-US" smtClean="0"/>
-              <a:t>2023/11/19</a:t>
+              <a:t>2023/11/29</a:t>
             </a:fld>
             <a:endParaRPr lang="zh-CN" altLang="en-US"/>
           </a:p>
@@ -1404,7 +1409,7 @@
           <a:p>
             <a:fld id="{F4374499-10F3-43A6-A70A-01D7A10A05BA}" type="datetimeFigureOut">
               <a:rPr lang="zh-CN" altLang="en-US" smtClean="0"/>
-              <a:t>2023/11/19</a:t>
+              <a:t>2023/11/29</a:t>
             </a:fld>
             <a:endParaRPr lang="zh-CN" altLang="en-US"/>
           </a:p>
@@ -1603,7 +1608,7 @@
           <a:p>
             <a:fld id="{F4374499-10F3-43A6-A70A-01D7A10A05BA}" type="datetimeFigureOut">
               <a:rPr lang="zh-CN" altLang="en-US" smtClean="0"/>
-              <a:t>2023/11/19</a:t>
+              <a:t>2023/11/29</a:t>
             </a:fld>
             <a:endParaRPr lang="zh-CN" altLang="en-US"/>
           </a:p>
@@ -2176,7 +2181,7 @@
           <a:p>
             <a:fld id="{F4374499-10F3-43A6-A70A-01D7A10A05BA}" type="datetimeFigureOut">
               <a:rPr lang="zh-CN" altLang="en-US" smtClean="0"/>
-              <a:t>2023/11/19</a:t>
+              <a:t>2023/11/29</a:t>
             </a:fld>
             <a:endParaRPr lang="zh-CN" altLang="en-US"/>
           </a:p>
@@ -2470,7 +2475,7 @@
           <a:p>
             <a:fld id="{F4374499-10F3-43A6-A70A-01D7A10A05BA}" type="datetimeFigureOut">
               <a:rPr lang="zh-CN" altLang="en-US" smtClean="0"/>
-              <a:t>2023/11/19</a:t>
+              <a:t>2023/11/29</a:t>
             </a:fld>
             <a:endParaRPr lang="zh-CN" altLang="en-US"/>
           </a:p>
@@ -2853,7 +2858,7 @@
           <a:p>
             <a:fld id="{F4374499-10F3-43A6-A70A-01D7A10A05BA}" type="datetimeFigureOut">
               <a:rPr lang="zh-CN" altLang="en-US" smtClean="0"/>
-              <a:t>2023/11/19</a:t>
+              <a:t>2023/11/29</a:t>
             </a:fld>
             <a:endParaRPr lang="zh-CN" altLang="en-US"/>
           </a:p>
@@ -2976,7 +2981,7 @@
           <a:p>
             <a:fld id="{F4374499-10F3-43A6-A70A-01D7A10A05BA}" type="datetimeFigureOut">
               <a:rPr lang="zh-CN" altLang="en-US" smtClean="0"/>
-              <a:t>2023/11/19</a:t>
+              <a:t>2023/11/29</a:t>
             </a:fld>
             <a:endParaRPr lang="zh-CN" altLang="en-US"/>
           </a:p>
@@ -3099,7 +3104,7 @@
           <a:p>
             <a:fld id="{F4374499-10F3-43A6-A70A-01D7A10A05BA}" type="datetimeFigureOut">
               <a:rPr lang="zh-CN" altLang="en-US" smtClean="0"/>
-              <a:t>2023/11/19</a:t>
+              <a:t>2023/11/29</a:t>
             </a:fld>
             <a:endParaRPr lang="zh-CN" altLang="en-US"/>
           </a:p>
@@ -3344,7 +3349,7 @@
           <a:p>
             <a:fld id="{2EF4CD03-DD61-461F-B280-70C706DDE001}" type="datetimeFigureOut">
               <a:rPr lang="zh-CN" altLang="en-US" smtClean="0"/>
-              <a:t>2023/11/19</a:t>
+              <a:t>2023/11/29</a:t>
             </a:fld>
             <a:endParaRPr lang="zh-CN" altLang="en-US"/>
           </a:p>
@@ -3747,7 +3752,7 @@
           <a:p>
             <a:fld id="{F4374499-10F3-43A6-A70A-01D7A10A05BA}" type="datetimeFigureOut">
               <a:rPr lang="zh-CN" altLang="en-US" smtClean="0"/>
-              <a:t>2023/11/19</a:t>
+              <a:t>2023/11/29</a:t>
             </a:fld>
             <a:endParaRPr lang="zh-CN" altLang="en-US"/>
           </a:p>
@@ -4108,7 +4113,7 @@
           <a:p>
             <a:fld id="{F4374499-10F3-43A6-A70A-01D7A10A05BA}" type="datetimeFigureOut">
               <a:rPr lang="zh-CN" altLang="en-US" smtClean="0"/>
-              <a:t>2023/11/19</a:t>
+              <a:t>2023/11/29</a:t>
             </a:fld>
             <a:endParaRPr lang="zh-CN" altLang="en-US"/>
           </a:p>
@@ -4330,7 +4335,7 @@
           <a:p>
             <a:fld id="{F4374499-10F3-43A6-A70A-01D7A10A05BA}" type="datetimeFigureOut">
               <a:rPr lang="zh-CN" altLang="en-US" smtClean="0"/>
-              <a:t>2023/11/19</a:t>
+              <a:t>2023/11/29</a:t>
             </a:fld>
             <a:endParaRPr lang="zh-CN" altLang="en-US"/>
           </a:p>
@@ -4604,7 +4609,7 @@
           <a:p>
             <a:fld id="{F4374499-10F3-43A6-A70A-01D7A10A05BA}" type="datetimeFigureOut">
               <a:rPr lang="zh-CN" altLang="en-US" smtClean="0"/>
-              <a:t>2023/11/19</a:t>
+              <a:t>2023/11/29</a:t>
             </a:fld>
             <a:endParaRPr lang="zh-CN" altLang="en-US"/>
           </a:p>
@@ -4938,7 +4943,7 @@
           <a:p>
             <a:fld id="{2EF4CD03-DD61-461F-B280-70C706DDE001}" type="datetimeFigureOut">
               <a:rPr lang="zh-CN" altLang="en-US" smtClean="0"/>
-              <a:t>2023/11/19</a:t>
+              <a:t>2023/11/29</a:t>
             </a:fld>
             <a:endParaRPr lang="zh-CN" altLang="en-US"/>
           </a:p>
@@ -5203,7 +5208,7 @@
           <a:p>
             <a:fld id="{2EF4CD03-DD61-461F-B280-70C706DDE001}" type="datetimeFigureOut">
               <a:rPr lang="zh-CN" altLang="en-US" smtClean="0"/>
-              <a:t>2023/11/19</a:t>
+              <a:t>2023/11/29</a:t>
             </a:fld>
             <a:endParaRPr lang="zh-CN" altLang="en-US"/>
           </a:p>
@@ -5615,7 +5620,7 @@
           <a:p>
             <a:fld id="{2EF4CD03-DD61-461F-B280-70C706DDE001}" type="datetimeFigureOut">
               <a:rPr lang="zh-CN" altLang="en-US" smtClean="0"/>
-              <a:t>2023/11/19</a:t>
+              <a:t>2023/11/29</a:t>
             </a:fld>
             <a:endParaRPr lang="zh-CN" altLang="en-US"/>
           </a:p>
@@ -5756,7 +5761,7 @@
           <a:p>
             <a:fld id="{2EF4CD03-DD61-461F-B280-70C706DDE001}" type="datetimeFigureOut">
               <a:rPr lang="zh-CN" altLang="en-US" smtClean="0"/>
-              <a:t>2023/11/19</a:t>
+              <a:t>2023/11/29</a:t>
             </a:fld>
             <a:endParaRPr lang="zh-CN" altLang="en-US"/>
           </a:p>
@@ -5869,7 +5874,7 @@
           <a:p>
             <a:fld id="{2EF4CD03-DD61-461F-B280-70C706DDE001}" type="datetimeFigureOut">
               <a:rPr lang="zh-CN" altLang="en-US" smtClean="0"/>
-              <a:t>2023/11/19</a:t>
+              <a:t>2023/11/29</a:t>
             </a:fld>
             <a:endParaRPr lang="zh-CN" altLang="en-US"/>
           </a:p>
@@ -6180,7 +6185,7 @@
           <a:p>
             <a:fld id="{2EF4CD03-DD61-461F-B280-70C706DDE001}" type="datetimeFigureOut">
               <a:rPr lang="zh-CN" altLang="en-US" smtClean="0"/>
-              <a:t>2023/11/19</a:t>
+              <a:t>2023/11/29</a:t>
             </a:fld>
             <a:endParaRPr lang="zh-CN" altLang="en-US"/>
           </a:p>
@@ -6468,7 +6473,7 @@
           <a:p>
             <a:fld id="{2EF4CD03-DD61-461F-B280-70C706DDE001}" type="datetimeFigureOut">
               <a:rPr lang="zh-CN" altLang="en-US" smtClean="0"/>
-              <a:t>2023/11/19</a:t>
+              <a:t>2023/11/29</a:t>
             </a:fld>
             <a:endParaRPr lang="zh-CN" altLang="en-US"/>
           </a:p>
@@ -6709,7 +6714,7 @@
           <a:p>
             <a:fld id="{2EF4CD03-DD61-461F-B280-70C706DDE001}" type="datetimeFigureOut">
               <a:rPr lang="zh-CN" altLang="en-US" smtClean="0"/>
-              <a:t>2023/11/19</a:t>
+              <a:t>2023/11/29</a:t>
             </a:fld>
             <a:endParaRPr lang="zh-CN" altLang="en-US"/>
           </a:p>
@@ -7264,7 +7269,7 @@
           <a:p>
             <a:fld id="{F4374499-10F3-43A6-A70A-01D7A10A05BA}" type="datetimeFigureOut">
               <a:rPr lang="zh-CN" altLang="en-US" smtClean="0"/>
-              <a:t>2023/11/19</a:t>
+              <a:t>2023/11/29</a:t>
             </a:fld>
             <a:endParaRPr lang="zh-CN" altLang="en-US"/>
           </a:p>
@@ -10678,7 +10683,7 @@
         </p:blipFill>
         <p:spPr>
           <a:xfrm>
-            <a:off x="6629400" y="2456308"/>
+            <a:off x="6629400" y="2465833"/>
             <a:ext cx="5324475" cy="3620643"/>
           </a:xfrm>
           <a:prstGeom prst="rect">
